--- a/5. Переменные часть 2/5. Переменные часть 2.pptx
+++ b/5. Переменные часть 2/5. Переменные часть 2.pptx
@@ -209,7 +209,7 @@
           <a:p>
             <a:fld id="{036B47B5-EF1D-41BD-9CC3-7AD4E8DDF9BA}" type="datetimeFigureOut">
               <a:rPr lang="ru-RU" smtClean="0"/>
-              <a:t>20.03.2022</a:t>
+              <a:t>21.03.2022</a:t>
             </a:fld>
             <a:endParaRPr lang="ru-RU"/>
           </a:p>
@@ -534,7 +534,7 @@
           <a:noFill/>
           <a:extLst>
             <a:ext uri="{909E8E84-426E-40dd-AFC4-6F175D3DCCD1}">
-              <a14:hiddenFill xmlns="" xmlns:a14="http://schemas.microsoft.com/office/drawing/2010/main">
+              <a14:hiddenFill xmlns:a14="http://schemas.microsoft.com/office/drawing/2010/main" xmlns="">
                 <a:solidFill>
                   <a:srgbClr val="FFFFFF"/>
                 </a:solidFill>
@@ -593,7 +593,7 @@
             </a:ln>
             <a:extLst>
               <a:ext uri="{91240B29-F687-4f45-9708-019B960494DF}">
-                <a14:hiddenLine xmlns="" xmlns:a14="http://schemas.microsoft.com/office/drawing/2010/main" w="9525">
+                <a14:hiddenLine xmlns:a14="http://schemas.microsoft.com/office/drawing/2010/main" xmlns="" w="9525">
                   <a:solidFill>
                     <a:srgbClr val="000000"/>
                   </a:solidFill>
@@ -683,7 +683,7 @@
             </a:ln>
             <a:extLst>
               <a:ext uri="{91240B29-F687-4f45-9708-019B960494DF}">
-                <a14:hiddenLine xmlns="" xmlns:a14="http://schemas.microsoft.com/office/drawing/2010/main" w="9525">
+                <a14:hiddenLine xmlns:a14="http://schemas.microsoft.com/office/drawing/2010/main" xmlns="" w="9525">
                   <a:solidFill>
                     <a:srgbClr val="000000"/>
                   </a:solidFill>
@@ -773,7 +773,7 @@
             </a:ln>
             <a:extLst>
               <a:ext uri="{91240B29-F687-4f45-9708-019B960494DF}">
-                <a14:hiddenLine xmlns="" xmlns:a14="http://schemas.microsoft.com/office/drawing/2010/main" w="9525">
+                <a14:hiddenLine xmlns:a14="http://schemas.microsoft.com/office/drawing/2010/main" xmlns="" w="9525">
                   <a:solidFill>
                     <a:srgbClr val="000000"/>
                   </a:solidFill>
@@ -807,7 +807,7 @@
             </a:ln>
             <a:extLst>
               <a:ext uri="{91240B29-F687-4f45-9708-019B960494DF}">
-                <a14:hiddenLine xmlns="" xmlns:a14="http://schemas.microsoft.com/office/drawing/2010/main" w="9525">
+                <a14:hiddenLine xmlns:a14="http://schemas.microsoft.com/office/drawing/2010/main" xmlns="" w="9525">
                   <a:solidFill>
                     <a:srgbClr val="000000"/>
                   </a:solidFill>
@@ -897,7 +897,7 @@
             </a:ln>
             <a:extLst>
               <a:ext uri="{91240B29-F687-4f45-9708-019B960494DF}">
-                <a14:hiddenLine xmlns="" xmlns:a14="http://schemas.microsoft.com/office/drawing/2010/main" w="9525">
+                <a14:hiddenLine xmlns:a14="http://schemas.microsoft.com/office/drawing/2010/main" xmlns="" w="9525">
                   <a:solidFill>
                     <a:srgbClr val="000000"/>
                   </a:solidFill>
@@ -959,7 +959,7 @@
             </a:ln>
             <a:extLst>
               <a:ext uri="{91240B29-F687-4f45-9708-019B960494DF}">
-                <a14:hiddenLine xmlns="" xmlns:a14="http://schemas.microsoft.com/office/drawing/2010/main" w="9525">
+                <a14:hiddenLine xmlns:a14="http://schemas.microsoft.com/office/drawing/2010/main" xmlns="" w="9525">
                   <a:solidFill>
                     <a:srgbClr val="000000"/>
                   </a:solidFill>
@@ -1021,7 +1021,7 @@
             </a:ln>
             <a:extLst>
               <a:ext uri="{91240B29-F687-4f45-9708-019B960494DF}">
-                <a14:hiddenLine xmlns="" xmlns:a14="http://schemas.microsoft.com/office/drawing/2010/main" w="9525">
+                <a14:hiddenLine xmlns:a14="http://schemas.microsoft.com/office/drawing/2010/main" xmlns="" w="9525">
                   <a:solidFill>
                     <a:srgbClr val="000000"/>
                   </a:solidFill>
@@ -1111,7 +1111,7 @@
             </a:ln>
             <a:extLst>
               <a:ext uri="{91240B29-F687-4f45-9708-019B960494DF}">
-                <a14:hiddenLine xmlns="" xmlns:a14="http://schemas.microsoft.com/office/drawing/2010/main" w="9525">
+                <a14:hiddenLine xmlns:a14="http://schemas.microsoft.com/office/drawing/2010/main" xmlns="" w="9525">
                   <a:solidFill>
                     <a:srgbClr val="000000"/>
                   </a:solidFill>
@@ -1173,7 +1173,7 @@
             </a:ln>
             <a:extLst>
               <a:ext uri="{91240B29-F687-4f45-9708-019B960494DF}">
-                <a14:hiddenLine xmlns="" xmlns:a14="http://schemas.microsoft.com/office/drawing/2010/main" w="9525">
+                <a14:hiddenLine xmlns:a14="http://schemas.microsoft.com/office/drawing/2010/main" xmlns="" w="9525">
                   <a:solidFill>
                     <a:srgbClr val="000000"/>
                   </a:solidFill>
@@ -1235,7 +1235,7 @@
             </a:ln>
             <a:extLst>
               <a:ext uri="{91240B29-F687-4f45-9708-019B960494DF}">
-                <a14:hiddenLine xmlns="" xmlns:a14="http://schemas.microsoft.com/office/drawing/2010/main" w="9525">
+                <a14:hiddenLine xmlns:a14="http://schemas.microsoft.com/office/drawing/2010/main" xmlns="" w="9525">
                   <a:solidFill>
                     <a:srgbClr val="000000"/>
                   </a:solidFill>
@@ -1325,7 +1325,7 @@
             </a:ln>
             <a:extLst>
               <a:ext uri="{91240B29-F687-4f45-9708-019B960494DF}">
-                <a14:hiddenLine xmlns="" xmlns:a14="http://schemas.microsoft.com/office/drawing/2010/main" w="9525">
+                <a14:hiddenLine xmlns:a14="http://schemas.microsoft.com/office/drawing/2010/main" xmlns="" w="9525">
                   <a:solidFill>
                     <a:srgbClr val="000000"/>
                   </a:solidFill>
@@ -1415,7 +1415,7 @@
             </a:ln>
             <a:extLst>
               <a:ext uri="{91240B29-F687-4f45-9708-019B960494DF}">
-                <a14:hiddenLine xmlns="" xmlns:a14="http://schemas.microsoft.com/office/drawing/2010/main" w="9525">
+                <a14:hiddenLine xmlns:a14="http://schemas.microsoft.com/office/drawing/2010/main" xmlns="" w="9525">
                   <a:solidFill>
                     <a:srgbClr val="000000"/>
                   </a:solidFill>
@@ -1477,7 +1477,7 @@
             </a:ln>
             <a:extLst>
               <a:ext uri="{91240B29-F687-4f45-9708-019B960494DF}">
-                <a14:hiddenLine xmlns="" xmlns:a14="http://schemas.microsoft.com/office/drawing/2010/main" w="9525">
+                <a14:hiddenLine xmlns:a14="http://schemas.microsoft.com/office/drawing/2010/main" xmlns="" w="9525">
                   <a:solidFill>
                     <a:srgbClr val="000000"/>
                   </a:solidFill>
@@ -1587,7 +1587,7 @@
             </a:ln>
             <a:extLst>
               <a:ext uri="{91240B29-F687-4f45-9708-019B960494DF}">
-                <a14:hiddenLine xmlns="" xmlns:a14="http://schemas.microsoft.com/office/drawing/2010/main" w="9525">
+                <a14:hiddenLine xmlns:a14="http://schemas.microsoft.com/office/drawing/2010/main" xmlns="" w="9525">
                   <a:solidFill>
                     <a:srgbClr val="000000"/>
                   </a:solidFill>
@@ -1649,7 +1649,7 @@
             </a:ln>
             <a:extLst>
               <a:ext uri="{91240B29-F687-4f45-9708-019B960494DF}">
-                <a14:hiddenLine xmlns="" xmlns:a14="http://schemas.microsoft.com/office/drawing/2010/main" w="9525">
+                <a14:hiddenLine xmlns:a14="http://schemas.microsoft.com/office/drawing/2010/main" xmlns="" w="9525">
                   <a:solidFill>
                     <a:srgbClr val="000000"/>
                   </a:solidFill>
@@ -1739,7 +1739,7 @@
             </a:ln>
             <a:extLst>
               <a:ext uri="{91240B29-F687-4f45-9708-019B960494DF}">
-                <a14:hiddenLine xmlns="" xmlns:a14="http://schemas.microsoft.com/office/drawing/2010/main" w="9525">
+                <a14:hiddenLine xmlns:a14="http://schemas.microsoft.com/office/drawing/2010/main" xmlns="" w="9525">
                   <a:solidFill>
                     <a:srgbClr val="000000"/>
                   </a:solidFill>
@@ -1829,7 +1829,7 @@
             </a:ln>
             <a:extLst>
               <a:ext uri="{91240B29-F687-4f45-9708-019B960494DF}">
-                <a14:hiddenLine xmlns="" xmlns:a14="http://schemas.microsoft.com/office/drawing/2010/main" w="9525">
+                <a14:hiddenLine xmlns:a14="http://schemas.microsoft.com/office/drawing/2010/main" xmlns="" w="9525">
                   <a:solidFill>
                     <a:srgbClr val="000000"/>
                   </a:solidFill>
@@ -1891,7 +1891,7 @@
             </a:ln>
             <a:extLst>
               <a:ext uri="{91240B29-F687-4f45-9708-019B960494DF}">
-                <a14:hiddenLine xmlns="" xmlns:a14="http://schemas.microsoft.com/office/drawing/2010/main" w="9525">
+                <a14:hiddenLine xmlns:a14="http://schemas.microsoft.com/office/drawing/2010/main" xmlns="" w="9525">
                   <a:solidFill>
                     <a:srgbClr val="000000"/>
                   </a:solidFill>
@@ -1981,7 +1981,7 @@
             </a:ln>
             <a:extLst>
               <a:ext uri="{91240B29-F687-4f45-9708-019B960494DF}">
-                <a14:hiddenLine xmlns="" xmlns:a14="http://schemas.microsoft.com/office/drawing/2010/main" w="9525">
+                <a14:hiddenLine xmlns:a14="http://schemas.microsoft.com/office/drawing/2010/main" xmlns="" w="9525">
                   <a:solidFill>
                     <a:srgbClr val="000000"/>
                   </a:solidFill>
@@ -2071,7 +2071,7 @@
             </a:ln>
             <a:extLst>
               <a:ext uri="{91240B29-F687-4f45-9708-019B960494DF}">
-                <a14:hiddenLine xmlns="" xmlns:a14="http://schemas.microsoft.com/office/drawing/2010/main" w="9525">
+                <a14:hiddenLine xmlns:a14="http://schemas.microsoft.com/office/drawing/2010/main" xmlns="" w="9525">
                   <a:solidFill>
                     <a:srgbClr val="000000"/>
                   </a:solidFill>
@@ -2127,7 +2127,7 @@
             </a:ln>
             <a:extLst>
               <a:ext uri="{91240B29-F687-4f45-9708-019B960494DF}">
-                <a14:hiddenLine xmlns="" xmlns:a14="http://schemas.microsoft.com/office/drawing/2010/main" w="9525">
+                <a14:hiddenLine xmlns:a14="http://schemas.microsoft.com/office/drawing/2010/main" xmlns="" w="9525">
                   <a:solidFill>
                     <a:srgbClr val="000000"/>
                   </a:solidFill>
@@ -2217,7 +2217,7 @@
             </a:ln>
             <a:extLst>
               <a:ext uri="{91240B29-F687-4f45-9708-019B960494DF}">
-                <a14:hiddenLine xmlns="" xmlns:a14="http://schemas.microsoft.com/office/drawing/2010/main" w="9525">
+                <a14:hiddenLine xmlns:a14="http://schemas.microsoft.com/office/drawing/2010/main" xmlns="" w="9525">
                   <a:solidFill>
                     <a:srgbClr val="000000"/>
                   </a:solidFill>
@@ -2273,7 +2273,7 @@
             </a:ln>
             <a:extLst>
               <a:ext uri="{91240B29-F687-4f45-9708-019B960494DF}">
-                <a14:hiddenLine xmlns="" xmlns:a14="http://schemas.microsoft.com/office/drawing/2010/main" w="9525">
+                <a14:hiddenLine xmlns:a14="http://schemas.microsoft.com/office/drawing/2010/main" xmlns="" w="9525">
                   <a:solidFill>
                     <a:srgbClr val="000000"/>
                   </a:solidFill>
@@ -2363,7 +2363,7 @@
             </a:ln>
             <a:extLst>
               <a:ext uri="{91240B29-F687-4f45-9708-019B960494DF}">
-                <a14:hiddenLine xmlns="" xmlns:a14="http://schemas.microsoft.com/office/drawing/2010/main" w="9525">
+                <a14:hiddenLine xmlns:a14="http://schemas.microsoft.com/office/drawing/2010/main" xmlns="" w="9525">
                   <a:solidFill>
                     <a:srgbClr val="000000"/>
                   </a:solidFill>
@@ -2431,7 +2431,7 @@
             </a:ln>
             <a:extLst>
               <a:ext uri="{91240B29-F687-4f45-9708-019B960494DF}">
-                <a14:hiddenLine xmlns="" xmlns:a14="http://schemas.microsoft.com/office/drawing/2010/main" w="9525">
+                <a14:hiddenLine xmlns:a14="http://schemas.microsoft.com/office/drawing/2010/main" xmlns="" w="9525">
                   <a:solidFill>
                     <a:srgbClr val="000000"/>
                   </a:solidFill>
@@ -2521,7 +2521,7 @@
             </a:ln>
             <a:extLst>
               <a:ext uri="{91240B29-F687-4f45-9708-019B960494DF}">
-                <a14:hiddenLine xmlns="" xmlns:a14="http://schemas.microsoft.com/office/drawing/2010/main" w="9525">
+                <a14:hiddenLine xmlns:a14="http://schemas.microsoft.com/office/drawing/2010/main" xmlns="" w="9525">
                   <a:solidFill>
                     <a:srgbClr val="000000"/>
                   </a:solidFill>
@@ -2589,7 +2589,7 @@
             </a:ln>
             <a:extLst>
               <a:ext uri="{91240B29-F687-4f45-9708-019B960494DF}">
-                <a14:hiddenLine xmlns="" xmlns:a14="http://schemas.microsoft.com/office/drawing/2010/main" w="9525">
+                <a14:hiddenLine xmlns:a14="http://schemas.microsoft.com/office/drawing/2010/main" xmlns="" w="9525">
                   <a:solidFill>
                     <a:srgbClr val="000000"/>
                   </a:solidFill>
@@ -2679,7 +2679,7 @@
             </a:ln>
             <a:extLst>
               <a:ext uri="{91240B29-F687-4f45-9708-019B960494DF}">
-                <a14:hiddenLine xmlns="" xmlns:a14="http://schemas.microsoft.com/office/drawing/2010/main" w="9525">
+                <a14:hiddenLine xmlns:a14="http://schemas.microsoft.com/office/drawing/2010/main" xmlns="" w="9525">
                   <a:solidFill>
                     <a:srgbClr val="000000"/>
                   </a:solidFill>
@@ -2713,7 +2713,7 @@
             </a:ln>
             <a:extLst>
               <a:ext uri="{91240B29-F687-4f45-9708-019B960494DF}">
-                <a14:hiddenLine xmlns="" xmlns:a14="http://schemas.microsoft.com/office/drawing/2010/main" w="9525">
+                <a14:hiddenLine xmlns:a14="http://schemas.microsoft.com/office/drawing/2010/main" xmlns="" w="9525">
                   <a:solidFill>
                     <a:srgbClr val="000000"/>
                   </a:solidFill>
@@ -2803,7 +2803,7 @@
             </a:ln>
             <a:extLst>
               <a:ext uri="{91240B29-F687-4f45-9708-019B960494DF}">
-                <a14:hiddenLine xmlns="" xmlns:a14="http://schemas.microsoft.com/office/drawing/2010/main" w="9525">
+                <a14:hiddenLine xmlns:a14="http://schemas.microsoft.com/office/drawing/2010/main" xmlns="" w="9525">
                   <a:solidFill>
                     <a:srgbClr val="000000"/>
                   </a:solidFill>
@@ -2865,7 +2865,7 @@
             </a:ln>
             <a:extLst>
               <a:ext uri="{91240B29-F687-4f45-9708-019B960494DF}">
-                <a14:hiddenLine xmlns="" xmlns:a14="http://schemas.microsoft.com/office/drawing/2010/main" w="9525">
+                <a14:hiddenLine xmlns:a14="http://schemas.microsoft.com/office/drawing/2010/main" xmlns="" w="9525">
                   <a:solidFill>
                     <a:srgbClr val="000000"/>
                   </a:solidFill>
@@ -2927,7 +2927,7 @@
             </a:ln>
             <a:extLst>
               <a:ext uri="{91240B29-F687-4f45-9708-019B960494DF}">
-                <a14:hiddenLine xmlns="" xmlns:a14="http://schemas.microsoft.com/office/drawing/2010/main" w="9525">
+                <a14:hiddenLine xmlns:a14="http://schemas.microsoft.com/office/drawing/2010/main" xmlns="" w="9525">
                   <a:solidFill>
                     <a:srgbClr val="000000"/>
                   </a:solidFill>
@@ -3017,7 +3017,7 @@
             </a:ln>
             <a:extLst>
               <a:ext uri="{91240B29-F687-4f45-9708-019B960494DF}">
-                <a14:hiddenLine xmlns="" xmlns:a14="http://schemas.microsoft.com/office/drawing/2010/main" w="9525">
+                <a14:hiddenLine xmlns:a14="http://schemas.microsoft.com/office/drawing/2010/main" xmlns="" w="9525">
                   <a:solidFill>
                     <a:srgbClr val="000000"/>
                   </a:solidFill>
@@ -3085,7 +3085,7 @@
             </a:ln>
             <a:extLst>
               <a:ext uri="{91240B29-F687-4f45-9708-019B960494DF}">
-                <a14:hiddenLine xmlns="" xmlns:a14="http://schemas.microsoft.com/office/drawing/2010/main" w="9525">
+                <a14:hiddenLine xmlns:a14="http://schemas.microsoft.com/office/drawing/2010/main" xmlns="" w="9525">
                   <a:solidFill>
                     <a:srgbClr val="000000"/>
                   </a:solidFill>
@@ -3147,7 +3147,7 @@
             </a:ln>
             <a:extLst>
               <a:ext uri="{91240B29-F687-4f45-9708-019B960494DF}">
-                <a14:hiddenLine xmlns="" xmlns:a14="http://schemas.microsoft.com/office/drawing/2010/main" w="9525">
+                <a14:hiddenLine xmlns:a14="http://schemas.microsoft.com/office/drawing/2010/main" xmlns="" w="9525">
                   <a:solidFill>
                     <a:srgbClr val="000000"/>
                   </a:solidFill>
@@ -3237,7 +3237,7 @@
             </a:ln>
             <a:extLst>
               <a:ext uri="{91240B29-F687-4f45-9708-019B960494DF}">
-                <a14:hiddenLine xmlns="" xmlns:a14="http://schemas.microsoft.com/office/drawing/2010/main" w="9525">
+                <a14:hiddenLine xmlns:a14="http://schemas.microsoft.com/office/drawing/2010/main" xmlns="" w="9525">
                   <a:solidFill>
                     <a:srgbClr val="000000"/>
                   </a:solidFill>
@@ -3299,7 +3299,7 @@
             </a:ln>
             <a:extLst>
               <a:ext uri="{91240B29-F687-4f45-9708-019B960494DF}">
-                <a14:hiddenLine xmlns="" xmlns:a14="http://schemas.microsoft.com/office/drawing/2010/main" w="9525">
+                <a14:hiddenLine xmlns:a14="http://schemas.microsoft.com/office/drawing/2010/main" xmlns="" w="9525">
                   <a:solidFill>
                     <a:srgbClr val="000000"/>
                   </a:solidFill>
@@ -3389,7 +3389,7 @@
             </a:ln>
             <a:extLst>
               <a:ext uri="{91240B29-F687-4f45-9708-019B960494DF}">
-                <a14:hiddenLine xmlns="" xmlns:a14="http://schemas.microsoft.com/office/drawing/2010/main" w="9525">
+                <a14:hiddenLine xmlns:a14="http://schemas.microsoft.com/office/drawing/2010/main" xmlns="" w="9525">
                   <a:solidFill>
                     <a:srgbClr val="000000"/>
                   </a:solidFill>
@@ -3451,7 +3451,7 @@
             </a:ln>
             <a:extLst>
               <a:ext uri="{91240B29-F687-4f45-9708-019B960494DF}">
-                <a14:hiddenLine xmlns="" xmlns:a14="http://schemas.microsoft.com/office/drawing/2010/main" w="9525">
+                <a14:hiddenLine xmlns:a14="http://schemas.microsoft.com/office/drawing/2010/main" xmlns="" w="9525">
                   <a:solidFill>
                     <a:srgbClr val="000000"/>
                   </a:solidFill>
@@ -3541,7 +3541,7 @@
             </a:ln>
             <a:extLst>
               <a:ext uri="{91240B29-F687-4f45-9708-019B960494DF}">
-                <a14:hiddenLine xmlns="" xmlns:a14="http://schemas.microsoft.com/office/drawing/2010/main" w="9525">
+                <a14:hiddenLine xmlns:a14="http://schemas.microsoft.com/office/drawing/2010/main" xmlns="" w="9525">
                   <a:solidFill>
                     <a:srgbClr val="000000"/>
                   </a:solidFill>
@@ -3575,7 +3575,7 @@
             </a:ln>
             <a:extLst>
               <a:ext uri="{91240B29-F687-4f45-9708-019B960494DF}">
-                <a14:hiddenLine xmlns="" xmlns:a14="http://schemas.microsoft.com/office/drawing/2010/main" w="9525">
+                <a14:hiddenLine xmlns:a14="http://schemas.microsoft.com/office/drawing/2010/main" xmlns="" w="9525">
                   <a:solidFill>
                     <a:srgbClr val="000000"/>
                   </a:solidFill>
@@ -3640,7 +3640,7 @@
             </a:ln>
             <a:extLst>
               <a:ext uri="{91240B29-F687-4f45-9708-019B960494DF}">
-                <a14:hiddenLine xmlns="" xmlns:a14="http://schemas.microsoft.com/office/drawing/2010/main" w="9525">
+                <a14:hiddenLine xmlns:a14="http://schemas.microsoft.com/office/drawing/2010/main" xmlns="" w="9525">
                   <a:solidFill>
                     <a:srgbClr val="000000"/>
                   </a:solidFill>
@@ -3730,7 +3730,7 @@
             </a:ln>
             <a:extLst>
               <a:ext uri="{91240B29-F687-4f45-9708-019B960494DF}">
-                <a14:hiddenLine xmlns="" xmlns:a14="http://schemas.microsoft.com/office/drawing/2010/main" w="9525">
+                <a14:hiddenLine xmlns:a14="http://schemas.microsoft.com/office/drawing/2010/main" xmlns="" w="9525">
                   <a:solidFill>
                     <a:srgbClr val="000000"/>
                   </a:solidFill>
@@ -3792,7 +3792,7 @@
             </a:ln>
             <a:extLst>
               <a:ext uri="{91240B29-F687-4f45-9708-019B960494DF}">
-                <a14:hiddenLine xmlns="" xmlns:a14="http://schemas.microsoft.com/office/drawing/2010/main" w="9525">
+                <a14:hiddenLine xmlns:a14="http://schemas.microsoft.com/office/drawing/2010/main" xmlns="" w="9525">
                   <a:solidFill>
                     <a:srgbClr val="000000"/>
                   </a:solidFill>
@@ -3882,7 +3882,7 @@
             </a:ln>
             <a:extLst>
               <a:ext uri="{91240B29-F687-4f45-9708-019B960494DF}">
-                <a14:hiddenLine xmlns="" xmlns:a14="http://schemas.microsoft.com/office/drawing/2010/main" w="9525">
+                <a14:hiddenLine xmlns:a14="http://schemas.microsoft.com/office/drawing/2010/main" xmlns="" w="9525">
                   <a:solidFill>
                     <a:srgbClr val="000000"/>
                   </a:solidFill>
@@ -3972,7 +3972,7 @@
             </a:ln>
             <a:extLst>
               <a:ext uri="{91240B29-F687-4f45-9708-019B960494DF}">
-                <a14:hiddenLine xmlns="" xmlns:a14="http://schemas.microsoft.com/office/drawing/2010/main" w="9525">
+                <a14:hiddenLine xmlns:a14="http://schemas.microsoft.com/office/drawing/2010/main" xmlns="" w="9525">
                   <a:solidFill>
                     <a:srgbClr val="000000"/>
                   </a:solidFill>
@@ -4037,7 +4037,7 @@
             </a:ln>
             <a:extLst>
               <a:ext uri="{91240B29-F687-4f45-9708-019B960494DF}">
-                <a14:hiddenLine xmlns="" xmlns:a14="http://schemas.microsoft.com/office/drawing/2010/main" w="9525">
+                <a14:hiddenLine xmlns:a14="http://schemas.microsoft.com/office/drawing/2010/main" xmlns="" w="9525">
                   <a:solidFill>
                     <a:srgbClr val="000000"/>
                   </a:solidFill>
@@ -4099,7 +4099,7 @@
             </a:ln>
             <a:extLst>
               <a:ext uri="{91240B29-F687-4f45-9708-019B960494DF}">
-                <a14:hiddenLine xmlns="" xmlns:a14="http://schemas.microsoft.com/office/drawing/2010/main" w="9525">
+                <a14:hiddenLine xmlns:a14="http://schemas.microsoft.com/office/drawing/2010/main" xmlns="" w="9525">
                   <a:solidFill>
                     <a:srgbClr val="000000"/>
                   </a:solidFill>
@@ -4189,7 +4189,7 @@
             </a:ln>
             <a:extLst>
               <a:ext uri="{91240B29-F687-4f45-9708-019B960494DF}">
-                <a14:hiddenLine xmlns="" xmlns:a14="http://schemas.microsoft.com/office/drawing/2010/main" w="9525">
+                <a14:hiddenLine xmlns:a14="http://schemas.microsoft.com/office/drawing/2010/main" xmlns="" w="9525">
                   <a:solidFill>
                     <a:srgbClr val="000000"/>
                   </a:solidFill>
@@ -4279,7 +4279,7 @@
             </a:ln>
             <a:extLst>
               <a:ext uri="{91240B29-F687-4f45-9708-019B960494DF}">
-                <a14:hiddenLine xmlns="" xmlns:a14="http://schemas.microsoft.com/office/drawing/2010/main" w="9525">
+                <a14:hiddenLine xmlns:a14="http://schemas.microsoft.com/office/drawing/2010/main" xmlns="" w="9525">
                   <a:solidFill>
                     <a:srgbClr val="000000"/>
                   </a:solidFill>
@@ -4341,7 +4341,7 @@
             </a:ln>
             <a:extLst>
               <a:ext uri="{91240B29-F687-4f45-9708-019B960494DF}">
-                <a14:hiddenLine xmlns="" xmlns:a14="http://schemas.microsoft.com/office/drawing/2010/main" w="9525">
+                <a14:hiddenLine xmlns:a14="http://schemas.microsoft.com/office/drawing/2010/main" xmlns="" w="9525">
                   <a:solidFill>
                     <a:srgbClr val="000000"/>
                   </a:solidFill>
@@ -4461,7 +4461,7 @@
             </a:ln>
             <a:extLst>
               <a:ext uri="{91240B29-F687-4f45-9708-019B960494DF}">
-                <a14:hiddenLine xmlns="" xmlns:a14="http://schemas.microsoft.com/office/drawing/2010/main" w="9525">
+                <a14:hiddenLine xmlns:a14="http://schemas.microsoft.com/office/drawing/2010/main" xmlns="" w="9525">
                   <a:solidFill>
                     <a:srgbClr val="000000"/>
                   </a:solidFill>
@@ -4529,7 +4529,7 @@
             </a:ln>
             <a:extLst>
               <a:ext uri="{91240B29-F687-4f45-9708-019B960494DF}">
-                <a14:hiddenLine xmlns="" xmlns:a14="http://schemas.microsoft.com/office/drawing/2010/main" w="9525">
+                <a14:hiddenLine xmlns:a14="http://schemas.microsoft.com/office/drawing/2010/main" xmlns="" w="9525">
                   <a:solidFill>
                     <a:srgbClr val="000000"/>
                   </a:solidFill>
@@ -4619,7 +4619,7 @@
             </a:ln>
             <a:extLst>
               <a:ext uri="{91240B29-F687-4f45-9708-019B960494DF}">
-                <a14:hiddenLine xmlns="" xmlns:a14="http://schemas.microsoft.com/office/drawing/2010/main" w="9525">
+                <a14:hiddenLine xmlns:a14="http://schemas.microsoft.com/office/drawing/2010/main" xmlns="" w="9525">
                   <a:solidFill>
                     <a:srgbClr val="000000"/>
                   </a:solidFill>
@@ -4759,7 +4759,7 @@
           <a:p>
             <a:fld id="{348D1148-AA36-4684-835C-5806DCFCF7AA}" type="datetimeFigureOut">
               <a:rPr lang="ru-RU" smtClean="0"/>
-              <a:t>20.03.2022</a:t>
+              <a:t>21.03.2022</a:t>
             </a:fld>
             <a:endParaRPr lang="ru-RU"/>
           </a:p>
@@ -5026,7 +5026,7 @@
           <a:p>
             <a:fld id="{348D1148-AA36-4684-835C-5806DCFCF7AA}" type="datetimeFigureOut">
               <a:rPr lang="ru-RU" smtClean="0"/>
-              <a:t>20.03.2022</a:t>
+              <a:t>21.03.2022</a:t>
             </a:fld>
             <a:endParaRPr lang="ru-RU"/>
           </a:p>
@@ -5222,7 +5222,7 @@
           <a:p>
             <a:fld id="{348D1148-AA36-4684-835C-5806DCFCF7AA}" type="datetimeFigureOut">
               <a:rPr lang="ru-RU" smtClean="0"/>
-              <a:t>20.03.2022</a:t>
+              <a:t>21.03.2022</a:t>
             </a:fld>
             <a:endParaRPr lang="ru-RU"/>
           </a:p>
@@ -5485,7 +5485,7 @@
           <a:p>
             <a:fld id="{348D1148-AA36-4684-835C-5806DCFCF7AA}" type="datetimeFigureOut">
               <a:rPr lang="ru-RU" smtClean="0"/>
-              <a:t>20.03.2022</a:t>
+              <a:t>21.03.2022</a:t>
             </a:fld>
             <a:endParaRPr lang="ru-RU"/>
           </a:p>
@@ -5919,7 +5919,7 @@
           <a:p>
             <a:fld id="{348D1148-AA36-4684-835C-5806DCFCF7AA}" type="datetimeFigureOut">
               <a:rPr lang="ru-RU" smtClean="0"/>
-              <a:t>20.03.2022</a:t>
+              <a:t>21.03.2022</a:t>
             </a:fld>
             <a:endParaRPr lang="ru-RU"/>
           </a:p>
@@ -6465,7 +6465,7 @@
           <a:p>
             <a:fld id="{348D1148-AA36-4684-835C-5806DCFCF7AA}" type="datetimeFigureOut">
               <a:rPr lang="ru-RU" smtClean="0"/>
-              <a:t>20.03.2022</a:t>
+              <a:t>21.03.2022</a:t>
             </a:fld>
             <a:endParaRPr lang="ru-RU"/>
           </a:p>
@@ -7185,7 +7185,7 @@
           <a:p>
             <a:fld id="{348D1148-AA36-4684-835C-5806DCFCF7AA}" type="datetimeFigureOut">
               <a:rPr lang="ru-RU" smtClean="0"/>
-              <a:t>20.03.2022</a:t>
+              <a:t>21.03.2022</a:t>
             </a:fld>
             <a:endParaRPr lang="ru-RU"/>
           </a:p>
@@ -7355,7 +7355,7 @@
           <a:p>
             <a:fld id="{348D1148-AA36-4684-835C-5806DCFCF7AA}" type="datetimeFigureOut">
               <a:rPr lang="ru-RU" smtClean="0"/>
-              <a:t>20.03.2022</a:t>
+              <a:t>21.03.2022</a:t>
             </a:fld>
             <a:endParaRPr lang="ru-RU"/>
           </a:p>
@@ -7535,7 +7535,7 @@
           <a:p>
             <a:fld id="{348D1148-AA36-4684-835C-5806DCFCF7AA}" type="datetimeFigureOut">
               <a:rPr lang="ru-RU" smtClean="0"/>
-              <a:t>20.03.2022</a:t>
+              <a:t>21.03.2022</a:t>
             </a:fld>
             <a:endParaRPr lang="ru-RU"/>
           </a:p>
@@ -7705,7 +7705,7 @@
           <a:p>
             <a:fld id="{348D1148-AA36-4684-835C-5806DCFCF7AA}" type="datetimeFigureOut">
               <a:rPr lang="ru-RU" smtClean="0"/>
-              <a:t>20.03.2022</a:t>
+              <a:t>21.03.2022</a:t>
             </a:fld>
             <a:endParaRPr lang="ru-RU"/>
           </a:p>
@@ -7955,7 +7955,7 @@
           <a:p>
             <a:fld id="{348D1148-AA36-4684-835C-5806DCFCF7AA}" type="datetimeFigureOut">
               <a:rPr lang="ru-RU" smtClean="0"/>
-              <a:t>20.03.2022</a:t>
+              <a:t>21.03.2022</a:t>
             </a:fld>
             <a:endParaRPr lang="ru-RU"/>
           </a:p>
@@ -8187,7 +8187,7 @@
           <a:p>
             <a:fld id="{348D1148-AA36-4684-835C-5806DCFCF7AA}" type="datetimeFigureOut">
               <a:rPr lang="ru-RU" smtClean="0"/>
-              <a:t>20.03.2022</a:t>
+              <a:t>21.03.2022</a:t>
             </a:fld>
             <a:endParaRPr lang="ru-RU"/>
           </a:p>
@@ -8568,7 +8568,7 @@
           <a:p>
             <a:fld id="{348D1148-AA36-4684-835C-5806DCFCF7AA}" type="datetimeFigureOut">
               <a:rPr lang="ru-RU" smtClean="0"/>
-              <a:t>20.03.2022</a:t>
+              <a:t>21.03.2022</a:t>
             </a:fld>
             <a:endParaRPr lang="ru-RU"/>
           </a:p>
@@ -8686,7 +8686,7 @@
           <a:p>
             <a:fld id="{348D1148-AA36-4684-835C-5806DCFCF7AA}" type="datetimeFigureOut">
               <a:rPr lang="ru-RU" smtClean="0"/>
-              <a:t>20.03.2022</a:t>
+              <a:t>21.03.2022</a:t>
             </a:fld>
             <a:endParaRPr lang="ru-RU"/>
           </a:p>
@@ -8781,7 +8781,7 @@
           <a:p>
             <a:fld id="{348D1148-AA36-4684-835C-5806DCFCF7AA}" type="datetimeFigureOut">
               <a:rPr lang="ru-RU" smtClean="0"/>
-              <a:t>20.03.2022</a:t>
+              <a:t>21.03.2022</a:t>
             </a:fld>
             <a:endParaRPr lang="ru-RU"/>
           </a:p>
@@ -9030,7 +9030,7 @@
           <a:p>
             <a:fld id="{348D1148-AA36-4684-835C-5806DCFCF7AA}" type="datetimeFigureOut">
               <a:rPr lang="ru-RU" smtClean="0"/>
-              <a:t>20.03.2022</a:t>
+              <a:t>21.03.2022</a:t>
             </a:fld>
             <a:endParaRPr lang="ru-RU"/>
           </a:p>
@@ -9310,7 +9310,7 @@
           <a:p>
             <a:fld id="{348D1148-AA36-4684-835C-5806DCFCF7AA}" type="datetimeFigureOut">
               <a:rPr lang="ru-RU" smtClean="0"/>
-              <a:t>20.03.2022</a:t>
+              <a:t>21.03.2022</a:t>
             </a:fld>
             <a:endParaRPr lang="ru-RU"/>
           </a:p>
@@ -9433,7 +9433,7 @@
           <a:noFill/>
           <a:extLst>
             <a:ext uri="{909E8E84-426E-40dd-AFC4-6F175D3DCCD1}">
-              <a14:hiddenFill xmlns="" xmlns:a14="http://schemas.microsoft.com/office/drawing/2010/main">
+              <a14:hiddenFill xmlns:a14="http://schemas.microsoft.com/office/drawing/2010/main" xmlns="">
                 <a:solidFill>
                   <a:srgbClr val="FFFFFF"/>
                 </a:solidFill>
@@ -9507,7 +9507,7 @@
               </a:ln>
               <a:extLst>
                 <a:ext uri="{91240B29-F687-4f45-9708-019B960494DF}">
-                  <a14:hiddenLine xmlns="" xmlns:a14="http://schemas.microsoft.com/office/drawing/2010/main" w="9525">
+                  <a14:hiddenLine xmlns:a14="http://schemas.microsoft.com/office/drawing/2010/main" xmlns="" w="9525">
                     <a:solidFill>
                       <a:srgbClr val="000000"/>
                     </a:solidFill>
@@ -9597,7 +9597,7 @@
               </a:ln>
               <a:extLst>
                 <a:ext uri="{91240B29-F687-4f45-9708-019B960494DF}">
-                  <a14:hiddenLine xmlns="" xmlns:a14="http://schemas.microsoft.com/office/drawing/2010/main" w="9525">
+                  <a14:hiddenLine xmlns:a14="http://schemas.microsoft.com/office/drawing/2010/main" xmlns="" w="9525">
                     <a:solidFill>
                       <a:srgbClr val="000000"/>
                     </a:solidFill>
@@ -9687,7 +9687,7 @@
               </a:ln>
               <a:extLst>
                 <a:ext uri="{91240B29-F687-4f45-9708-019B960494DF}">
-                  <a14:hiddenLine xmlns="" xmlns:a14="http://schemas.microsoft.com/office/drawing/2010/main" w="9525">
+                  <a14:hiddenLine xmlns:a14="http://schemas.microsoft.com/office/drawing/2010/main" xmlns="" w="9525">
                     <a:solidFill>
                       <a:srgbClr val="000000"/>
                     </a:solidFill>
@@ -9749,7 +9749,7 @@
               </a:ln>
               <a:extLst>
                 <a:ext uri="{91240B29-F687-4f45-9708-019B960494DF}">
-                  <a14:hiddenLine xmlns="" xmlns:a14="http://schemas.microsoft.com/office/drawing/2010/main" w="9525">
+                  <a14:hiddenLine xmlns:a14="http://schemas.microsoft.com/office/drawing/2010/main" xmlns="" w="9525">
                     <a:solidFill>
                       <a:srgbClr val="000000"/>
                     </a:solidFill>
@@ -9839,7 +9839,7 @@
               </a:ln>
               <a:extLst>
                 <a:ext uri="{91240B29-F687-4f45-9708-019B960494DF}">
-                  <a14:hiddenLine xmlns="" xmlns:a14="http://schemas.microsoft.com/office/drawing/2010/main" w="9525">
+                  <a14:hiddenLine xmlns:a14="http://schemas.microsoft.com/office/drawing/2010/main" xmlns="" w="9525">
                     <a:solidFill>
                       <a:srgbClr val="000000"/>
                     </a:solidFill>
@@ -9901,7 +9901,7 @@
               </a:ln>
               <a:extLst>
                 <a:ext uri="{91240B29-F687-4f45-9708-019B960494DF}">
-                  <a14:hiddenLine xmlns="" xmlns:a14="http://schemas.microsoft.com/office/drawing/2010/main" w="9525">
+                  <a14:hiddenLine xmlns:a14="http://schemas.microsoft.com/office/drawing/2010/main" xmlns="" w="9525">
                     <a:solidFill>
                       <a:srgbClr val="000000"/>
                     </a:solidFill>
@@ -9963,7 +9963,7 @@
               </a:ln>
               <a:extLst>
                 <a:ext uri="{91240B29-F687-4f45-9708-019B960494DF}">
-                  <a14:hiddenLine xmlns="" xmlns:a14="http://schemas.microsoft.com/office/drawing/2010/main" w="9525">
+                  <a14:hiddenLine xmlns:a14="http://schemas.microsoft.com/office/drawing/2010/main" xmlns="" w="9525">
                     <a:solidFill>
                       <a:srgbClr val="000000"/>
                     </a:solidFill>
@@ -10053,7 +10053,7 @@
               </a:ln>
               <a:extLst>
                 <a:ext uri="{91240B29-F687-4f45-9708-019B960494DF}">
-                  <a14:hiddenLine xmlns="" xmlns:a14="http://schemas.microsoft.com/office/drawing/2010/main" w="9525">
+                  <a14:hiddenLine xmlns:a14="http://schemas.microsoft.com/office/drawing/2010/main" xmlns="" w="9525">
                     <a:solidFill>
                       <a:srgbClr val="000000"/>
                     </a:solidFill>
@@ -10143,7 +10143,7 @@
               </a:ln>
               <a:extLst>
                 <a:ext uri="{91240B29-F687-4f45-9708-019B960494DF}">
-                  <a14:hiddenLine xmlns="" xmlns:a14="http://schemas.microsoft.com/office/drawing/2010/main" w="9525">
+                  <a14:hiddenLine xmlns:a14="http://schemas.microsoft.com/office/drawing/2010/main" xmlns="" w="9525">
                     <a:solidFill>
                       <a:srgbClr val="000000"/>
                     </a:solidFill>
@@ -10205,7 +10205,7 @@
               </a:ln>
               <a:extLst>
                 <a:ext uri="{91240B29-F687-4f45-9708-019B960494DF}">
-                  <a14:hiddenLine xmlns="" xmlns:a14="http://schemas.microsoft.com/office/drawing/2010/main" w="9525">
+                  <a14:hiddenLine xmlns:a14="http://schemas.microsoft.com/office/drawing/2010/main" xmlns="" w="9525">
                     <a:solidFill>
                       <a:srgbClr val="000000"/>
                     </a:solidFill>
@@ -10315,7 +10315,7 @@
               </a:ln>
               <a:extLst>
                 <a:ext uri="{91240B29-F687-4f45-9708-019B960494DF}">
-                  <a14:hiddenLine xmlns="" xmlns:a14="http://schemas.microsoft.com/office/drawing/2010/main" w="9525">
+                  <a14:hiddenLine xmlns:a14="http://schemas.microsoft.com/office/drawing/2010/main" xmlns="" w="9525">
                     <a:solidFill>
                       <a:srgbClr val="000000"/>
                     </a:solidFill>
@@ -10399,7 +10399,7 @@
               </a:ln>
               <a:extLst>
                 <a:ext uri="{91240B29-F687-4f45-9708-019B960494DF}">
-                  <a14:hiddenLine xmlns="" xmlns:a14="http://schemas.microsoft.com/office/drawing/2010/main" w="9525">
+                  <a14:hiddenLine xmlns:a14="http://schemas.microsoft.com/office/drawing/2010/main" xmlns="" w="9525">
                     <a:solidFill>
                       <a:srgbClr val="000000"/>
                     </a:solidFill>
@@ -10461,7 +10461,7 @@
               </a:ln>
               <a:extLst>
                 <a:ext uri="{91240B29-F687-4f45-9708-019B960494DF}">
-                  <a14:hiddenLine xmlns="" xmlns:a14="http://schemas.microsoft.com/office/drawing/2010/main" w="9525">
+                  <a14:hiddenLine xmlns:a14="http://schemas.microsoft.com/office/drawing/2010/main" xmlns="" w="9525">
                     <a:solidFill>
                       <a:srgbClr val="000000"/>
                     </a:solidFill>
@@ -10523,7 +10523,7 @@
               </a:ln>
               <a:extLst>
                 <a:ext uri="{91240B29-F687-4f45-9708-019B960494DF}">
-                  <a14:hiddenLine xmlns="" xmlns:a14="http://schemas.microsoft.com/office/drawing/2010/main" w="9525">
+                  <a14:hiddenLine xmlns:a14="http://schemas.microsoft.com/office/drawing/2010/main" xmlns="" w="9525">
                     <a:solidFill>
                       <a:srgbClr val="000000"/>
                     </a:solidFill>
@@ -10613,7 +10613,7 @@
               </a:ln>
               <a:extLst>
                 <a:ext uri="{91240B29-F687-4f45-9708-019B960494DF}">
-                  <a14:hiddenLine xmlns="" xmlns:a14="http://schemas.microsoft.com/office/drawing/2010/main" w="9525">
+                  <a14:hiddenLine xmlns:a14="http://schemas.microsoft.com/office/drawing/2010/main" xmlns="" w="9525">
                     <a:solidFill>
                       <a:srgbClr val="000000"/>
                     </a:solidFill>
@@ -10647,7 +10647,7 @@
               </a:ln>
               <a:extLst>
                 <a:ext uri="{91240B29-F687-4f45-9708-019B960494DF}">
-                  <a14:hiddenLine xmlns="" xmlns:a14="http://schemas.microsoft.com/office/drawing/2010/main" w="9525">
+                  <a14:hiddenLine xmlns:a14="http://schemas.microsoft.com/office/drawing/2010/main" xmlns="" w="9525">
                     <a:solidFill>
                       <a:srgbClr val="000000"/>
                     </a:solidFill>
@@ -10712,7 +10712,7 @@
               </a:ln>
               <a:extLst>
                 <a:ext uri="{91240B29-F687-4f45-9708-019B960494DF}">
-                  <a14:hiddenLine xmlns="" xmlns:a14="http://schemas.microsoft.com/office/drawing/2010/main" w="9525">
+                  <a14:hiddenLine xmlns:a14="http://schemas.microsoft.com/office/drawing/2010/main" xmlns="" w="9525">
                     <a:solidFill>
                       <a:srgbClr val="000000"/>
                     </a:solidFill>
@@ -10802,7 +10802,7 @@
               </a:ln>
               <a:extLst>
                 <a:ext uri="{91240B29-F687-4f45-9708-019B960494DF}">
-                  <a14:hiddenLine xmlns="" xmlns:a14="http://schemas.microsoft.com/office/drawing/2010/main" w="9525">
+                  <a14:hiddenLine xmlns:a14="http://schemas.microsoft.com/office/drawing/2010/main" xmlns="" w="9525">
                     <a:solidFill>
                       <a:srgbClr val="000000"/>
                     </a:solidFill>
@@ -10864,7 +10864,7 @@
               </a:ln>
               <a:extLst>
                 <a:ext uri="{91240B29-F687-4f45-9708-019B960494DF}">
-                  <a14:hiddenLine xmlns="" xmlns:a14="http://schemas.microsoft.com/office/drawing/2010/main" w="9525">
+                  <a14:hiddenLine xmlns:a14="http://schemas.microsoft.com/office/drawing/2010/main" xmlns="" w="9525">
                     <a:solidFill>
                       <a:srgbClr val="000000"/>
                     </a:solidFill>
@@ -10954,7 +10954,7 @@
               </a:ln>
               <a:extLst>
                 <a:ext uri="{91240B29-F687-4f45-9708-019B960494DF}">
-                  <a14:hiddenLine xmlns="" xmlns:a14="http://schemas.microsoft.com/office/drawing/2010/main" w="9525">
+                  <a14:hiddenLine xmlns:a14="http://schemas.microsoft.com/office/drawing/2010/main" xmlns="" w="9525">
                     <a:solidFill>
                       <a:srgbClr val="000000"/>
                     </a:solidFill>
@@ -11019,7 +11019,7 @@
               </a:ln>
               <a:extLst>
                 <a:ext uri="{91240B29-F687-4f45-9708-019B960494DF}">
-                  <a14:hiddenLine xmlns="" xmlns:a14="http://schemas.microsoft.com/office/drawing/2010/main" w="9525">
+                  <a14:hiddenLine xmlns:a14="http://schemas.microsoft.com/office/drawing/2010/main" xmlns="" w="9525">
                     <a:solidFill>
                       <a:srgbClr val="000000"/>
                     </a:solidFill>
@@ -11081,7 +11081,7 @@
               </a:ln>
               <a:extLst>
                 <a:ext uri="{91240B29-F687-4f45-9708-019B960494DF}">
-                  <a14:hiddenLine xmlns="" xmlns:a14="http://schemas.microsoft.com/office/drawing/2010/main" w="9525">
+                  <a14:hiddenLine xmlns:a14="http://schemas.microsoft.com/office/drawing/2010/main" xmlns="" w="9525">
                     <a:solidFill>
                       <a:srgbClr val="000000"/>
                     </a:solidFill>
@@ -11171,7 +11171,7 @@
               </a:ln>
               <a:extLst>
                 <a:ext uri="{91240B29-F687-4f45-9708-019B960494DF}">
-                  <a14:hiddenLine xmlns="" xmlns:a14="http://schemas.microsoft.com/office/drawing/2010/main" w="9525">
+                  <a14:hiddenLine xmlns:a14="http://schemas.microsoft.com/office/drawing/2010/main" xmlns="" w="9525">
                     <a:solidFill>
                       <a:srgbClr val="000000"/>
                     </a:solidFill>
@@ -11261,7 +11261,7 @@
               </a:ln>
               <a:extLst>
                 <a:ext uri="{91240B29-F687-4f45-9708-019B960494DF}">
-                  <a14:hiddenLine xmlns="" xmlns:a14="http://schemas.microsoft.com/office/drawing/2010/main" w="9525">
+                  <a14:hiddenLine xmlns:a14="http://schemas.microsoft.com/office/drawing/2010/main" xmlns="" w="9525">
                     <a:solidFill>
                       <a:srgbClr val="000000"/>
                     </a:solidFill>
@@ -11326,7 +11326,7 @@
               </a:ln>
               <a:extLst>
                 <a:ext uri="{91240B29-F687-4f45-9708-019B960494DF}">
-                  <a14:hiddenLine xmlns="" xmlns:a14="http://schemas.microsoft.com/office/drawing/2010/main" w="9525">
+                  <a14:hiddenLine xmlns:a14="http://schemas.microsoft.com/office/drawing/2010/main" xmlns="" w="9525">
                     <a:solidFill>
                       <a:srgbClr val="000000"/>
                     </a:solidFill>
@@ -11446,7 +11446,7 @@
               </a:ln>
               <a:extLst>
                 <a:ext uri="{91240B29-F687-4f45-9708-019B960494DF}">
-                  <a14:hiddenLine xmlns="" xmlns:a14="http://schemas.microsoft.com/office/drawing/2010/main" w="9525">
+                  <a14:hiddenLine xmlns:a14="http://schemas.microsoft.com/office/drawing/2010/main" xmlns="" w="9525">
                     <a:solidFill>
                       <a:srgbClr val="000000"/>
                     </a:solidFill>
@@ -11527,7 +11527,7 @@
               </a:ln>
               <a:extLst>
                 <a:ext uri="{91240B29-F687-4f45-9708-019B960494DF}">
-                  <a14:hiddenLine xmlns="" xmlns:a14="http://schemas.microsoft.com/office/drawing/2010/main" w="9525">
+                  <a14:hiddenLine xmlns:a14="http://schemas.microsoft.com/office/drawing/2010/main" xmlns="" w="9525">
                     <a:solidFill>
                       <a:srgbClr val="000000"/>
                     </a:solidFill>
@@ -11642,7 +11642,7 @@
               </a:ln>
               <a:extLst>
                 <a:ext uri="{91240B29-F687-4f45-9708-019B960494DF}">
-                  <a14:hiddenLine xmlns="" xmlns:a14="http://schemas.microsoft.com/office/drawing/2010/main" w="9525">
+                  <a14:hiddenLine xmlns:a14="http://schemas.microsoft.com/office/drawing/2010/main" xmlns="" w="9525">
                     <a:solidFill>
                       <a:srgbClr val="000000"/>
                     </a:solidFill>
@@ -11732,7 +11732,7 @@
               </a:ln>
               <a:extLst>
                 <a:ext uri="{91240B29-F687-4f45-9708-019B960494DF}">
-                  <a14:hiddenLine xmlns="" xmlns:a14="http://schemas.microsoft.com/office/drawing/2010/main" w="9525">
+                  <a14:hiddenLine xmlns:a14="http://schemas.microsoft.com/office/drawing/2010/main" xmlns="" w="9525">
                     <a:solidFill>
                       <a:srgbClr val="000000"/>
                     </a:solidFill>
@@ -11797,7 +11797,7 @@
               </a:ln>
               <a:extLst>
                 <a:ext uri="{91240B29-F687-4f45-9708-019B960494DF}">
-                  <a14:hiddenLine xmlns="" xmlns:a14="http://schemas.microsoft.com/office/drawing/2010/main" w="9525">
+                  <a14:hiddenLine xmlns:a14="http://schemas.microsoft.com/office/drawing/2010/main" xmlns="" w="9525">
                     <a:solidFill>
                       <a:srgbClr val="000000"/>
                     </a:solidFill>
@@ -11887,7 +11887,7 @@
               </a:ln>
               <a:extLst>
                 <a:ext uri="{91240B29-F687-4f45-9708-019B960494DF}">
-                  <a14:hiddenLine xmlns="" xmlns:a14="http://schemas.microsoft.com/office/drawing/2010/main" w="9525">
+                  <a14:hiddenLine xmlns:a14="http://schemas.microsoft.com/office/drawing/2010/main" xmlns="" w="9525">
                     <a:solidFill>
                       <a:srgbClr val="000000"/>
                     </a:solidFill>
@@ -11955,7 +11955,7 @@
               </a:ln>
               <a:extLst>
                 <a:ext uri="{91240B29-F687-4f45-9708-019B960494DF}">
-                  <a14:hiddenLine xmlns="" xmlns:a14="http://schemas.microsoft.com/office/drawing/2010/main" w="9525">
+                  <a14:hiddenLine xmlns:a14="http://schemas.microsoft.com/office/drawing/2010/main" xmlns="" w="9525">
                     <a:solidFill>
                       <a:srgbClr val="000000"/>
                     </a:solidFill>
@@ -12045,7 +12045,7 @@
               </a:ln>
               <a:extLst>
                 <a:ext uri="{91240B29-F687-4f45-9708-019B960494DF}">
-                  <a14:hiddenLine xmlns="" xmlns:a14="http://schemas.microsoft.com/office/drawing/2010/main" w="9525">
+                  <a14:hiddenLine xmlns:a14="http://schemas.microsoft.com/office/drawing/2010/main" xmlns="" w="9525">
                     <a:solidFill>
                       <a:srgbClr val="000000"/>
                     </a:solidFill>
@@ -12113,7 +12113,7 @@
               </a:ln>
               <a:extLst>
                 <a:ext uri="{91240B29-F687-4f45-9708-019B960494DF}">
-                  <a14:hiddenLine xmlns="" xmlns:a14="http://schemas.microsoft.com/office/drawing/2010/main" w="9525">
+                  <a14:hiddenLine xmlns:a14="http://schemas.microsoft.com/office/drawing/2010/main" xmlns="" w="9525">
                     <a:solidFill>
                       <a:srgbClr val="000000"/>
                     </a:solidFill>
@@ -12203,7 +12203,7 @@
               </a:ln>
               <a:extLst>
                 <a:ext uri="{91240B29-F687-4f45-9708-019B960494DF}">
-                  <a14:hiddenLine xmlns="" xmlns:a14="http://schemas.microsoft.com/office/drawing/2010/main" w="9525">
+                  <a14:hiddenLine xmlns:a14="http://schemas.microsoft.com/office/drawing/2010/main" xmlns="" w="9525">
                     <a:solidFill>
                       <a:srgbClr val="000000"/>
                     </a:solidFill>
@@ -12237,7 +12237,7 @@
               </a:ln>
               <a:extLst>
                 <a:ext uri="{91240B29-F687-4f45-9708-019B960494DF}">
-                  <a14:hiddenLine xmlns="" xmlns:a14="http://schemas.microsoft.com/office/drawing/2010/main" w="9525">
+                  <a14:hiddenLine xmlns:a14="http://schemas.microsoft.com/office/drawing/2010/main" xmlns="" w="9525">
                     <a:solidFill>
                       <a:srgbClr val="000000"/>
                     </a:solidFill>
@@ -12377,7 +12377,7 @@
           <a:p>
             <a:fld id="{348D1148-AA36-4684-835C-5806DCFCF7AA}" type="datetimeFigureOut">
               <a:rPr lang="ru-RU" smtClean="0"/>
-              <a:t>20.03.2022</a:t>
+              <a:t>21.03.2022</a:t>
             </a:fld>
             <a:endParaRPr lang="ru-RU"/>
           </a:p>
@@ -18245,6 +18245,9 @@
             </a:r>
           </a:p>
           <a:p>
+            <a:pPr marL="0" indent="0">
+              <a:buNone/>
+            </a:pPr>
             <a:r>
               <a:rPr lang="ru-RU" sz="2600" dirty="0"/>
               <a:t>Операторы:</a:t>
@@ -18252,7 +18255,9 @@
             <a:endParaRPr lang="en-US" sz="2600" dirty="0"/>
           </a:p>
           <a:p>
-            <a:pPr lvl="1"/>
+            <a:pPr marL="457200" lvl="1" indent="0">
+              <a:buNone/>
+            </a:pPr>
             <a:r>
               <a:rPr lang="en-US" sz="2200" dirty="0"/>
               <a:t>! </a:t>
@@ -18263,7 +18268,9 @@
             </a:r>
           </a:p>
           <a:p>
-            <a:pPr lvl="1"/>
+            <a:pPr marL="457200" lvl="1" indent="0">
+              <a:buNone/>
+            </a:pPr>
             <a:r>
               <a:rPr lang="en-US" sz="2200" dirty="0"/>
               <a:t>&amp; </a:t>
@@ -18274,7 +18281,9 @@
             </a:r>
           </a:p>
           <a:p>
-            <a:pPr lvl="1"/>
+            <a:pPr marL="457200" lvl="1" indent="0">
+              <a:buNone/>
+            </a:pPr>
             <a:r>
               <a:rPr lang="ru-RU" sz="2200" dirty="0"/>
               <a:t>| оператор ИЛИ</a:t>
@@ -18282,7 +18291,9 @@
             <a:endParaRPr lang="en-US" sz="2200" dirty="0"/>
           </a:p>
           <a:p>
-            <a:pPr lvl="1"/>
+            <a:pPr marL="457200" lvl="1" indent="0">
+              <a:buNone/>
+            </a:pPr>
             <a:r>
               <a:rPr lang="en-US" sz="2200" dirty="0"/>
               <a:t>^ </a:t>
@@ -20243,35 +20254,49 @@
             </a:r>
           </a:p>
           <a:p>
-            <a:pPr lvl="1"/>
+            <a:pPr marL="457200" lvl="1" indent="0">
+              <a:buNone/>
+            </a:pPr>
             <a:r>
               <a:rPr lang="ru-RU" sz="2200" dirty="0"/>
               <a:t>+ Сложение</a:t>
             </a:r>
           </a:p>
           <a:p>
-            <a:pPr lvl="1"/>
+            <a:pPr marL="457200" lvl="1" indent="0">
+              <a:buNone/>
+            </a:pPr>
+            <a:r>
+              <a:rPr lang="en-US" sz="2200" dirty="0"/>
+              <a:t>- </a:t>
+            </a:r>
             <a:r>
               <a:rPr lang="ru-RU" sz="2200" dirty="0"/>
               <a:t>Вычитание</a:t>
             </a:r>
           </a:p>
           <a:p>
-            <a:pPr lvl="1"/>
+            <a:pPr marL="457200" lvl="1" indent="0">
+              <a:buNone/>
+            </a:pPr>
             <a:r>
               <a:rPr lang="ru-RU" sz="2200" dirty="0"/>
               <a:t>* Умножение</a:t>
             </a:r>
           </a:p>
           <a:p>
-            <a:pPr lvl="1"/>
+            <a:pPr marL="457200" lvl="1" indent="0">
+              <a:buNone/>
+            </a:pPr>
             <a:r>
               <a:rPr lang="ru-RU" sz="2200" dirty="0"/>
               <a:t>/ Деление</a:t>
             </a:r>
           </a:p>
           <a:p>
-            <a:pPr lvl="1"/>
+            <a:pPr marL="457200" lvl="1" indent="0">
+              <a:buNone/>
+            </a:pPr>
             <a:r>
               <a:rPr lang="ru-RU" sz="2200" dirty="0"/>
               <a:t>% Деление по модулю</a:t>
